--- a/HCBUS/HCBUS_포트폴리오.pptx
+++ b/HCBUS/HCBUS_포트폴리오.pptx
@@ -319,7 +319,7 @@
           <a:p>
             <a:fld id="{F8166F1F-CE9B-4651-A6AA-CD717754106B}" type="datetimeFigureOut">
               <a:rPr lang="en-US" smtClean="0"/>
-              <a:t>8/30/2023</a:t>
+              <a:t>8/31/2023</a:t>
             </a:fld>
             <a:endParaRPr lang="en-US"/>
           </a:p>
@@ -482,7 +482,7 @@
           <a:p>
             <a:fld id="{A76116CE-C4A3-4A05-B2D7-7C2E9A889C0F}" type="datetimeFigureOut">
               <a:rPr lang="en-US" smtClean="0"/>
-              <a:t>8/30/2023</a:t>
+              <a:t>8/31/2023</a:t>
             </a:fld>
             <a:endParaRPr lang="en-US"/>
           </a:p>
@@ -655,7 +655,7 @@
           <a:p>
             <a:fld id="{A76116CE-C4A3-4A05-B2D7-7C2E9A889C0F}" type="datetimeFigureOut">
               <a:rPr lang="en-US" smtClean="0"/>
-              <a:t>8/30/2023</a:t>
+              <a:t>8/31/2023</a:t>
             </a:fld>
             <a:endParaRPr lang="en-US"/>
           </a:p>
@@ -820,7 +820,7 @@
           <a:p>
             <a:fld id="{A76116CE-C4A3-4A05-B2D7-7C2E9A889C0F}" type="datetimeFigureOut">
               <a:rPr lang="en-US" smtClean="0"/>
-              <a:t>8/30/2023</a:t>
+              <a:t>8/31/2023</a:t>
             </a:fld>
             <a:endParaRPr lang="en-US"/>
           </a:p>
@@ -1060,7 +1060,7 @@
           <a:p>
             <a:fld id="{A76116CE-C4A3-4A05-B2D7-7C2E9A889C0F}" type="datetimeFigureOut">
               <a:rPr lang="en-US" smtClean="0"/>
-              <a:t>8/30/2023</a:t>
+              <a:t>8/31/2023</a:t>
             </a:fld>
             <a:endParaRPr lang="en-US"/>
           </a:p>
@@ -1340,7 +1340,7 @@
           <a:p>
             <a:fld id="{A76116CE-C4A3-4A05-B2D7-7C2E9A889C0F}" type="datetimeFigureOut">
               <a:rPr lang="en-US" smtClean="0"/>
-              <a:t>8/30/2023</a:t>
+              <a:t>8/31/2023</a:t>
             </a:fld>
             <a:endParaRPr lang="en-US"/>
           </a:p>
@@ -1754,7 +1754,7 @@
           <a:p>
             <a:fld id="{A76116CE-C4A3-4A05-B2D7-7C2E9A889C0F}" type="datetimeFigureOut">
               <a:rPr lang="en-US" smtClean="0"/>
-              <a:t>8/30/2023</a:t>
+              <a:t>8/31/2023</a:t>
             </a:fld>
             <a:endParaRPr lang="en-US"/>
           </a:p>
@@ -1866,7 +1866,7 @@
           <a:p>
             <a:fld id="{A76116CE-C4A3-4A05-B2D7-7C2E9A889C0F}" type="datetimeFigureOut">
               <a:rPr lang="en-US" smtClean="0"/>
-              <a:t>8/30/2023</a:t>
+              <a:t>8/31/2023</a:t>
             </a:fld>
             <a:endParaRPr lang="en-US"/>
           </a:p>
@@ -1956,7 +1956,7 @@
           <a:p>
             <a:fld id="{A76116CE-C4A3-4A05-B2D7-7C2E9A889C0F}" type="datetimeFigureOut">
               <a:rPr lang="en-US" smtClean="0"/>
-              <a:t>8/30/2023</a:t>
+              <a:t>8/31/2023</a:t>
             </a:fld>
             <a:endParaRPr lang="en-US"/>
           </a:p>
@@ -2226,7 +2226,7 @@
           <a:p>
             <a:fld id="{A76116CE-C4A3-4A05-B2D7-7C2E9A889C0F}" type="datetimeFigureOut">
               <a:rPr lang="en-US" smtClean="0"/>
-              <a:t>8/30/2023</a:t>
+              <a:t>8/31/2023</a:t>
             </a:fld>
             <a:endParaRPr lang="en-US"/>
           </a:p>
@@ -2473,7 +2473,7 @@
           <a:p>
             <a:fld id="{A76116CE-C4A3-4A05-B2D7-7C2E9A889C0F}" type="datetimeFigureOut">
               <a:rPr lang="en-US" smtClean="0"/>
-              <a:t>8/30/2023</a:t>
+              <a:t>8/31/2023</a:t>
             </a:fld>
             <a:endParaRPr lang="en-US"/>
           </a:p>
@@ -2679,7 +2679,7 @@
           <a:p>
             <a:fld id="{F8166F1F-CE9B-4651-A6AA-CD717754106B}" type="datetimeFigureOut">
               <a:rPr lang="en-US" smtClean="0"/>
-              <a:t>8/30/2023</a:t>
+              <a:t>8/31/2023</a:t>
             </a:fld>
             <a:endParaRPr lang="en-US"/>
           </a:p>
@@ -9079,7 +9079,7 @@
         </p:nvSpPr>
         <p:spPr>
           <a:xfrm>
-            <a:off x="304800" y="6738937"/>
+            <a:off x="304800" y="7306681"/>
             <a:ext cx="17395190" cy="461665"/>
           </a:xfrm>
           <a:prstGeom prst="rect">
@@ -9094,20 +9094,27 @@
           <a:lstStyle/>
           <a:p>
             <a:r>
-              <a:rPr lang="ko-KR" altLang="en-US" sz="2400" dirty="0"/>
+              <a:rPr lang="ko-KR" altLang="en-US" sz="2400" dirty="0">
+                <a:latin typeface="+mj-lt"/>
+              </a:rPr>
               <a:t>영상 주소</a:t>
             </a:r>
             <a:r>
-              <a:rPr lang="en-US" altLang="ko-KR" sz="2400" dirty="0"/>
+              <a:rPr lang="en-US" altLang="ko-KR" sz="2400" dirty="0">
+                <a:latin typeface="+mj-lt"/>
+              </a:rPr>
               <a:t>:  </a:t>
             </a:r>
             <a:r>
               <a:rPr lang="ko-KR" altLang="en-US" sz="2400" dirty="0">
+                <a:latin typeface="+mj-lt"/>
                 <a:hlinkClick r:id="rId6"/>
               </a:rPr>
               <a:t>https://github.com/Haecms/My-Portfolio/tree/main/HCBUS/Video</a:t>
             </a:r>
-            <a:endParaRPr lang="ko-KR" altLang="en-US" sz="2400" dirty="0"/>
+            <a:endParaRPr lang="ko-KR" altLang="en-US" sz="2400" dirty="0">
+              <a:latin typeface="+mj-lt"/>
+            </a:endParaRPr>
           </a:p>
         </p:txBody>
       </p:sp>
@@ -9140,20 +9147,74 @@
           <a:lstStyle/>
           <a:p>
             <a:r>
-              <a:rPr lang="ko-KR" altLang="en-US" sz="2400" dirty="0"/>
+              <a:rPr lang="ko-KR" altLang="en-US" sz="2400" dirty="0">
+                <a:latin typeface="+mj-lt"/>
+              </a:rPr>
               <a:t>조해찬 </a:t>
             </a:r>
             <a:r>
-              <a:rPr lang="en-US" altLang="ko-KR" sz="2400" dirty="0"/>
+              <a:rPr lang="en-US" altLang="ko-KR" sz="2400" dirty="0">
+                <a:latin typeface="+mj-lt"/>
+              </a:rPr>
               <a:t>: </a:t>
             </a:r>
             <a:r>
               <a:rPr lang="ko-KR" altLang="en-US" sz="2400" dirty="0">
+                <a:latin typeface="+mj-lt"/>
                 <a:hlinkClick r:id="rId7"/>
               </a:rPr>
               <a:t>https://github.com/Haecms</a:t>
             </a:r>
-            <a:endParaRPr lang="ko-KR" altLang="en-US" sz="2400" dirty="0"/>
+            <a:endParaRPr lang="ko-KR" altLang="en-US" sz="2400" dirty="0">
+              <a:latin typeface="+mj-lt"/>
+            </a:endParaRPr>
+          </a:p>
+        </p:txBody>
+      </p:sp>
+      <p:sp>
+        <p:nvSpPr>
+          <p:cNvPr id="8" name="TextBox 7">
+            <a:extLst>
+              <a:ext uri="{FF2B5EF4-FFF2-40B4-BE49-F238E27FC236}">
+                <a16:creationId xmlns:a16="http://schemas.microsoft.com/office/drawing/2014/main" id="{35DC880E-C1D2-9E9E-CCB6-FBFF2ECF8370}"/>
+              </a:ext>
+            </a:extLst>
+          </p:cNvPr>
+          <p:cNvSpPr txBox="1"/>
+          <p:nvPr/>
+        </p:nvSpPr>
+        <p:spPr>
+          <a:xfrm>
+            <a:off x="319087" y="6772524"/>
+            <a:ext cx="9144000" cy="461665"/>
+          </a:xfrm>
+          <a:prstGeom prst="rect">
+            <a:avLst/>
+          </a:prstGeom>
+          <a:noFill/>
+        </p:spPr>
+        <p:txBody>
+          <a:bodyPr wrap="square">
+            <a:spAutoFit/>
+          </a:bodyPr>
+          <a:lstStyle/>
+          <a:p>
+            <a:r>
+              <a:rPr lang="en-US" altLang="ko-KR" sz="2400" dirty="0">
+                <a:latin typeface="+mj-lt"/>
+              </a:rPr>
+              <a:t>HCBUS: </a:t>
+            </a:r>
+            <a:r>
+              <a:rPr lang="ko-KR" altLang="en-US" sz="2400" dirty="0">
+                <a:latin typeface="+mj-lt"/>
+                <a:hlinkClick r:id="rId8"/>
+              </a:rPr>
+              <a:t>https://github.com/Haecms/My-Portfolio/tree/main/HCBUS</a:t>
+            </a:r>
+            <a:endParaRPr lang="ko-KR" altLang="en-US" sz="2400" dirty="0">
+              <a:latin typeface="+mj-lt"/>
+            </a:endParaRPr>
           </a:p>
         </p:txBody>
       </p:sp>
